--- a/Design pattern/1.设计模式-设计原则.pptx
+++ b/Design pattern/1.设计模式-设计原则.pptx
@@ -2439,43 +2439,7 @@
           <a:bodyPr/>
           <a:lstStyle/>
           <a:p>
-            <a:r>
-              <a:rPr lang="en-US" altLang="zh-CN" dirty="0"/>
-              <a:t>通俗的来讲，就是一个类对自己依赖的类知道的越少越好。也就是说，对于被依赖的类来说，无论逻辑多么复杂，都尽量地的将逻辑封装在类的内部，对外除了提供的public方法，不对外泄漏任何信息。</a:t>
-            </a:r>
-          </a:p>
-          <a:p>
             <a:endParaRPr lang="en-US" altLang="zh-CN" dirty="0"/>
-          </a:p>
-          <a:p>
-            <a:r>
-              <a:rPr lang="en-US" altLang="zh-CN" dirty="0"/>
-              <a:t>首先来解释一下什么是直接的朋友：每个对象都会与其他对象有耦合关系，只要两个对象之间有耦合关系，我们就说这两个对象之间是朋友关系。耦合的方式很多，依赖、关联、组合、聚合等。其中，我们称出现成员变量、方法参数、方法返回值中的类为直接的朋友，而出现在局部变量中的类则不是直接的朋友。也就是说，陌生的类最好不要作为局部变量的形式出现在类的内部</a:t>
-            </a:r>
-          </a:p>
-          <a:p>
-            <a:endParaRPr lang="en-US" altLang="zh-CN" dirty="0"/>
-          </a:p>
-          <a:p>
-            <a:r>
-              <a:rPr lang="en-US" altLang="zh-CN" dirty="0"/>
-              <a:t>朋友之间也有间距 </a:t>
-            </a:r>
-          </a:p>
-          <a:p>
-            <a:r>
-              <a:rPr lang="en-US" altLang="zh-CN" dirty="0"/>
-              <a:t>如果朋友把太多的方法或属性暴露给你，则过于亲密，耦合关系变得异常牢固，而且，修改时涉及的面也就越大，变更引起的风险就越大。因此，要适时反复衡量：是否可以减少public方法和属性，改为private、package－private、protected等访问权限，及是否可以加上final关键字，不可变的类和方法，对外提供固定单位服务。</a:t>
-            </a:r>
-          </a:p>
-          <a:p>
-            <a:endParaRPr lang="en-US" altLang="zh-CN" dirty="0"/>
-          </a:p>
-          <a:p>
-            <a:r>
-              <a:rPr lang="en-US" altLang="zh-CN" dirty="0"/>
-              <a:t>类与类之间的关系越密切，耦合度越大，当一个类发生改变时，对另一个类的影响也越大。[解决方案]尽量降低类与类之间的耦合。</a:t>
-            </a:r>
           </a:p>
         </p:txBody>
       </p:sp>
@@ -2561,122 +2525,7 @@
           </a:bodyPr>
           <a:lstStyle/>
           <a:p>
-            <a:r>
-              <a:rPr lang="en-US" altLang="zh-CN" dirty="0"/>
-              <a:t>- </a:t>
-            </a:r>
-            <a:r>
-              <a:rPr lang="zh-CN" altLang="en-US" dirty="0"/>
-              <a:t>在类的划分上，应该创建有弱耦合的类 </a:t>
-            </a:r>
-          </a:p>
-          <a:p>
-            <a:r>
-              <a:rPr lang="zh-CN" altLang="en-US" dirty="0"/>
-              <a:t>通常我们以接口或者抽象类的方式抽象出来</a:t>
-            </a:r>
-          </a:p>
-          <a:p>
             <a:endParaRPr lang="zh-CN" altLang="en-US" dirty="0"/>
-          </a:p>
-          <a:p>
-            <a:r>
-              <a:rPr lang="en-US" altLang="zh-CN" dirty="0"/>
-              <a:t>- </a:t>
-            </a:r>
-            <a:r>
-              <a:rPr lang="zh-CN" altLang="en-US" dirty="0"/>
-              <a:t>在类的结构设计上，每一个类都应当尽量降低成员的访问权限 </a:t>
-            </a:r>
-          </a:p>
-          <a:p>
-            <a:r>
-              <a:rPr lang="zh-CN" altLang="en-US" dirty="0"/>
-              <a:t>以减少public方法和属性，改为private、package－private、protected等访问权限，及是否可以加上final关键字，不可变的类和方法，对外提供固定服务。</a:t>
-            </a:r>
-          </a:p>
-          <a:p>
-            <a:endParaRPr lang="zh-CN" altLang="en-US" dirty="0"/>
-          </a:p>
-          <a:p>
-            <a:r>
-              <a:rPr lang="en-US" altLang="zh-CN" dirty="0"/>
-              <a:t>- </a:t>
-            </a:r>
-            <a:r>
-              <a:rPr lang="zh-CN" altLang="en-US" dirty="0"/>
-              <a:t>在类的设计上，只要有可能，一个类应当设计成不变类 </a:t>
-            </a:r>
-          </a:p>
-          <a:p>
-            <a:r>
-              <a:rPr lang="zh-CN" altLang="en-US" dirty="0"/>
-              <a:t>不可变的类和方法，对外提供固定服务。</a:t>
-            </a:r>
-          </a:p>
-          <a:p>
-            <a:endParaRPr lang="zh-CN" altLang="en-US" dirty="0"/>
-          </a:p>
-          <a:p>
-            <a:r>
-              <a:rPr lang="en-US" altLang="zh-CN" dirty="0"/>
-              <a:t>- </a:t>
-            </a:r>
-            <a:r>
-              <a:rPr lang="zh-CN" altLang="en-US" dirty="0"/>
-              <a:t>在对其他类的引用上，一个对象对其它对象的引用应当降到最低 </a:t>
-            </a:r>
-          </a:p>
-          <a:p>
-            <a:r>
-              <a:rPr lang="zh-CN" altLang="en-US" dirty="0"/>
-              <a:t>降低类与类之间的耦合度。</a:t>
-            </a:r>
-          </a:p>
-          <a:p>
-            <a:endParaRPr lang="zh-CN" altLang="en-US" dirty="0"/>
-          </a:p>
-          <a:p>
-            <a:r>
-              <a:rPr lang="en-US" altLang="zh-CN" dirty="0"/>
-              <a:t>- </a:t>
-            </a:r>
-            <a:r>
-              <a:rPr lang="zh-CN" altLang="en-US" dirty="0"/>
-              <a:t>尽量降低类的访问权限 </a:t>
-            </a:r>
-          </a:p>
-          <a:p>
-            <a:r>
-              <a:rPr lang="zh-CN" altLang="en-US" dirty="0"/>
-              <a:t>防止类或类对象被过度耦合在另一个类的方法中。</a:t>
-            </a:r>
-          </a:p>
-          <a:p>
-            <a:endParaRPr lang="zh-CN" altLang="en-US" dirty="0"/>
-          </a:p>
-          <a:p>
-            <a:r>
-              <a:rPr lang="en-US" altLang="zh-CN" dirty="0"/>
-              <a:t>- </a:t>
-            </a:r>
-            <a:r>
-              <a:rPr lang="zh-CN" altLang="en-US" dirty="0"/>
-              <a:t>不要暴露类成员，而应该提供相应的访问器(属性)</a:t>
-            </a:r>
-          </a:p>
-          <a:p>
-            <a:endParaRPr lang="zh-CN" altLang="en-US" dirty="0"/>
-          </a:p>
-          <a:p>
-            <a:r>
-              <a:rPr lang="en-US" altLang="zh-CN" dirty="0"/>
-              <a:t>- </a:t>
-            </a:r>
-            <a:r>
-              <a:rPr lang="zh-CN" altLang="en-US" dirty="0"/>
-              <a:t>谨慎使用序列化功能（类或接口在客户端变更，却未在服务端同步更新，引发序列化失败，项目管理易疏忽）</a:t>
-            </a:r>
           </a:p>
         </p:txBody>
       </p:sp>
@@ -3021,70 +2870,7 @@
           </a:bodyPr>
           <a:lstStyle/>
           <a:p>
-            <a:r>
-              <a:rPr lang="en-US" altLang="zh-CN" dirty="0"/>
-              <a:t>为什么使用开闭原则</a:t>
-            </a:r>
-          </a:p>
-          <a:p>
-            <a:r>
-              <a:rPr lang="en-US" altLang="zh-CN" dirty="0"/>
-              <a:t>第一：开闭原则非常有名，只要是面向对象编程，在开发时都会强调开闭原则</a:t>
-            </a:r>
-          </a:p>
-          <a:p>
             <a:endParaRPr lang="en-US" altLang="zh-CN" dirty="0"/>
-          </a:p>
-          <a:p>
-            <a:r>
-              <a:rPr lang="en-US" altLang="zh-CN" dirty="0"/>
-              <a:t>第二：开闭原则是最基础的设计原则，其它的五个设计原则都是开闭原则的具体形态，也就是说其它的五个设计原则是指导设计的工具和方法，而开闭原则才是其精神领袖。依照java语言的称谓，开闭原则是抽象类，而其它的五个原则是具体的实现类。</a:t>
-            </a:r>
-          </a:p>
-          <a:p>
-            <a:endParaRPr lang="en-US" altLang="zh-CN" dirty="0"/>
-          </a:p>
-          <a:p>
-            <a:r>
-              <a:rPr lang="en-US" altLang="zh-CN" dirty="0"/>
-              <a:t>第三：开闭原则可以提高复用性 </a:t>
-            </a:r>
-          </a:p>
-          <a:p>
-            <a:r>
-              <a:rPr lang="en-US" altLang="zh-CN" dirty="0"/>
-              <a:t>在面向对象的设计中，所有的逻辑都是从原子逻辑组合而来，不是在一个类中独立实现一个业务逻辑。只有这样的代码才可以复用，粒度越小，被复用的可能性越大。那为什么要复用呢？减少代码的重复，避免相同的逻辑分散在多个角落，减少维护人员的工作量。那怎么才能提高复用率呢？缩小逻辑粒度，直到一个逻辑不可以分为止。</a:t>
-            </a:r>
-          </a:p>
-          <a:p>
-            <a:endParaRPr lang="en-US" altLang="zh-CN" dirty="0"/>
-          </a:p>
-          <a:p>
-            <a:r>
-              <a:rPr lang="en-US" altLang="zh-CN" dirty="0"/>
-              <a:t>第四：开闭原则可以提高维护性 </a:t>
-            </a:r>
-          </a:p>
-          <a:p>
-            <a:r>
-              <a:rPr lang="en-US" altLang="zh-CN" dirty="0"/>
-              <a:t>一款软件量产后，维护人员的工作不仅仅对数据进行维护，还可能要对程序进行扩展，维护人员最乐意的事是扩展一个类，而不是修改一个类。让维护人员读懂原有代码，再进行修改，是一件非常痛苦的事情，不要让他在原有的代码海洋中游荡后再修改，那是对维护人员的折磨和摧残。</a:t>
-            </a:r>
-          </a:p>
-          <a:p>
-            <a:endParaRPr lang="en-US" altLang="zh-CN" dirty="0"/>
-          </a:p>
-          <a:p>
-            <a:r>
-              <a:rPr lang="en-US" altLang="zh-CN" dirty="0"/>
-              <a:t>第五：面向对象开发的要求 </a:t>
-            </a:r>
-          </a:p>
-          <a:p>
-            <a:r>
-              <a:rPr lang="en-US" altLang="zh-CN" dirty="0"/>
-              <a:t>万物皆对象，我们要把所有的事物抽象成对象，然后针对对象进行操作，但是万物皆发展变化，有变化就要有策略去应对，怎么快速应对呢？这就需要在设计之初考虑到所有可能变化的因素，然后留下接口，等待“可能”转变为“现实”。</a:t>
-            </a:r>
           </a:p>
         </p:txBody>
       </p:sp>
@@ -3407,122 +3193,7 @@
           </a:bodyPr>
           <a:lstStyle/>
           <a:p>
-            <a:r>
-              <a:rPr lang="en-US" altLang="zh-CN" dirty="0"/>
-              <a:t>- </a:t>
-            </a:r>
-            <a:r>
-              <a:rPr lang="zh-CN" altLang="en-US" dirty="0"/>
-              <a:t>在类的划分上，应该创建有弱耦合的类 </a:t>
-            </a:r>
-          </a:p>
-          <a:p>
-            <a:r>
-              <a:rPr lang="zh-CN" altLang="en-US" dirty="0"/>
-              <a:t>通常我们以接口或者抽象类的方式抽象出来</a:t>
-            </a:r>
-          </a:p>
-          <a:p>
             <a:endParaRPr lang="zh-CN" altLang="en-US" dirty="0"/>
-          </a:p>
-          <a:p>
-            <a:r>
-              <a:rPr lang="en-US" altLang="zh-CN" dirty="0"/>
-              <a:t>- </a:t>
-            </a:r>
-            <a:r>
-              <a:rPr lang="zh-CN" altLang="en-US" dirty="0"/>
-              <a:t>在类的结构设计上，每一个类都应当尽量降低成员的访问权限 </a:t>
-            </a:r>
-          </a:p>
-          <a:p>
-            <a:r>
-              <a:rPr lang="zh-CN" altLang="en-US" dirty="0"/>
-              <a:t>以减少public方法和属性，改为private、package－private、protected等访问权限，及是否可以加上final关键字，不可变的类和方法，对外提供固定服务。</a:t>
-            </a:r>
-          </a:p>
-          <a:p>
-            <a:endParaRPr lang="zh-CN" altLang="en-US" dirty="0"/>
-          </a:p>
-          <a:p>
-            <a:r>
-              <a:rPr lang="en-US" altLang="zh-CN" dirty="0"/>
-              <a:t>- </a:t>
-            </a:r>
-            <a:r>
-              <a:rPr lang="zh-CN" altLang="en-US" dirty="0"/>
-              <a:t>在类的设计上，只要有可能，一个类应当设计成不变类 </a:t>
-            </a:r>
-          </a:p>
-          <a:p>
-            <a:r>
-              <a:rPr lang="zh-CN" altLang="en-US" dirty="0"/>
-              <a:t>不可变的类和方法，对外提供固定服务。</a:t>
-            </a:r>
-          </a:p>
-          <a:p>
-            <a:endParaRPr lang="zh-CN" altLang="en-US" dirty="0"/>
-          </a:p>
-          <a:p>
-            <a:r>
-              <a:rPr lang="en-US" altLang="zh-CN" dirty="0"/>
-              <a:t>- </a:t>
-            </a:r>
-            <a:r>
-              <a:rPr lang="zh-CN" altLang="en-US" dirty="0"/>
-              <a:t>在对其他类的引用上，一个对象对其它对象的引用应当降到最低 </a:t>
-            </a:r>
-          </a:p>
-          <a:p>
-            <a:r>
-              <a:rPr lang="zh-CN" altLang="en-US" dirty="0"/>
-              <a:t>降低类与类之间的耦合度。</a:t>
-            </a:r>
-          </a:p>
-          <a:p>
-            <a:endParaRPr lang="zh-CN" altLang="en-US" dirty="0"/>
-          </a:p>
-          <a:p>
-            <a:r>
-              <a:rPr lang="en-US" altLang="zh-CN" dirty="0"/>
-              <a:t>- </a:t>
-            </a:r>
-            <a:r>
-              <a:rPr lang="zh-CN" altLang="en-US" dirty="0"/>
-              <a:t>尽量降低类的访问权限 </a:t>
-            </a:r>
-          </a:p>
-          <a:p>
-            <a:r>
-              <a:rPr lang="zh-CN" altLang="en-US" dirty="0"/>
-              <a:t>防止类或类对象被过度耦合在另一个类的方法中。</a:t>
-            </a:r>
-          </a:p>
-          <a:p>
-            <a:endParaRPr lang="zh-CN" altLang="en-US" dirty="0"/>
-          </a:p>
-          <a:p>
-            <a:r>
-              <a:rPr lang="en-US" altLang="zh-CN" dirty="0"/>
-              <a:t>- </a:t>
-            </a:r>
-            <a:r>
-              <a:rPr lang="zh-CN" altLang="en-US" dirty="0"/>
-              <a:t>不要暴露类成员，而应该提供相应的访问器(属性)</a:t>
-            </a:r>
-          </a:p>
-          <a:p>
-            <a:endParaRPr lang="zh-CN" altLang="en-US" dirty="0"/>
-          </a:p>
-          <a:p>
-            <a:r>
-              <a:rPr lang="en-US" altLang="zh-CN" dirty="0"/>
-              <a:t>- </a:t>
-            </a:r>
-            <a:r>
-              <a:rPr lang="zh-CN" altLang="en-US" dirty="0"/>
-              <a:t>谨慎使用序列化功能（类或接口在客户端变更，却未在服务端同步更新，引发序列化失败，项目管理易疏忽）</a:t>
-            </a:r>
           </a:p>
         </p:txBody>
       </p:sp>
